--- a/Projeto_Dados_Economicos.pptx
+++ b/Projeto_Dados_Economicos.pptx
@@ -317,7 +317,7 @@
           <a:p>
             <a:fld id="{5BCAD085-E8A6-8845-BD4E-CB4CCA059FC4}" type="datetimeFigureOut">
               <a:rPr lang="en-US" smtClean="0"/>
-              <a:t>4/22/25</a:t>
+              <a:t>5/28/25</a:t>
             </a:fld>
             <a:endParaRPr lang="en-US"/>
           </a:p>
@@ -485,7 +485,7 @@
           <a:p>
             <a:fld id="{5BCAD085-E8A6-8845-BD4E-CB4CCA059FC4}" type="datetimeFigureOut">
               <a:rPr lang="en-US" smtClean="0"/>
-              <a:t>4/22/25</a:t>
+              <a:t>5/28/25</a:t>
             </a:fld>
             <a:endParaRPr lang="en-US"/>
           </a:p>
@@ -663,7 +663,7 @@
           <a:p>
             <a:fld id="{5BCAD085-E8A6-8845-BD4E-CB4CCA059FC4}" type="datetimeFigureOut">
               <a:rPr lang="en-US" smtClean="0"/>
-              <a:t>4/22/25</a:t>
+              <a:t>5/28/25</a:t>
             </a:fld>
             <a:endParaRPr lang="en-US"/>
           </a:p>
@@ -831,7 +831,7 @@
           <a:p>
             <a:fld id="{5BCAD085-E8A6-8845-BD4E-CB4CCA059FC4}" type="datetimeFigureOut">
               <a:rPr lang="en-US" smtClean="0"/>
-              <a:t>4/22/25</a:t>
+              <a:t>5/28/25</a:t>
             </a:fld>
             <a:endParaRPr lang="en-US"/>
           </a:p>
@@ -1076,7 +1076,7 @@
           <a:p>
             <a:fld id="{5BCAD085-E8A6-8845-BD4E-CB4CCA059FC4}" type="datetimeFigureOut">
               <a:rPr lang="en-US" smtClean="0"/>
-              <a:t>4/22/25</a:t>
+              <a:t>5/28/25</a:t>
             </a:fld>
             <a:endParaRPr lang="en-US"/>
           </a:p>
@@ -1361,7 +1361,7 @@
           <a:p>
             <a:fld id="{5BCAD085-E8A6-8845-BD4E-CB4CCA059FC4}" type="datetimeFigureOut">
               <a:rPr lang="en-US" smtClean="0"/>
-              <a:t>4/22/25</a:t>
+              <a:t>5/28/25</a:t>
             </a:fld>
             <a:endParaRPr lang="en-US"/>
           </a:p>
@@ -1780,7 +1780,7 @@
           <a:p>
             <a:fld id="{5BCAD085-E8A6-8845-BD4E-CB4CCA059FC4}" type="datetimeFigureOut">
               <a:rPr lang="en-US" smtClean="0"/>
-              <a:t>4/22/25</a:t>
+              <a:t>5/28/25</a:t>
             </a:fld>
             <a:endParaRPr lang="en-US"/>
           </a:p>
@@ -1897,7 +1897,7 @@
           <a:p>
             <a:fld id="{5BCAD085-E8A6-8845-BD4E-CB4CCA059FC4}" type="datetimeFigureOut">
               <a:rPr lang="en-US" smtClean="0"/>
-              <a:t>4/22/25</a:t>
+              <a:t>5/28/25</a:t>
             </a:fld>
             <a:endParaRPr lang="en-US"/>
           </a:p>
@@ -1992,7 +1992,7 @@
           <a:p>
             <a:fld id="{5BCAD085-E8A6-8845-BD4E-CB4CCA059FC4}" type="datetimeFigureOut">
               <a:rPr lang="en-US" smtClean="0"/>
-              <a:t>4/22/25</a:t>
+              <a:t>5/28/25</a:t>
             </a:fld>
             <a:endParaRPr lang="en-US"/>
           </a:p>
@@ -2267,7 +2267,7 @@
           <a:p>
             <a:fld id="{5BCAD085-E8A6-8845-BD4E-CB4CCA059FC4}" type="datetimeFigureOut">
               <a:rPr lang="en-US" smtClean="0"/>
-              <a:t>4/22/25</a:t>
+              <a:t>5/28/25</a:t>
             </a:fld>
             <a:endParaRPr lang="en-US"/>
           </a:p>
@@ -2519,7 +2519,7 @@
           <a:p>
             <a:fld id="{5BCAD085-E8A6-8845-BD4E-CB4CCA059FC4}" type="datetimeFigureOut">
               <a:rPr lang="en-US" smtClean="0"/>
-              <a:t>4/22/25</a:t>
+              <a:t>5/28/25</a:t>
             </a:fld>
             <a:endParaRPr lang="en-US"/>
           </a:p>
@@ -2730,7 +2730,7 @@
           <a:p>
             <a:fld id="{5BCAD085-E8A6-8845-BD4E-CB4CCA059FC4}" type="datetimeFigureOut">
               <a:rPr lang="en-US" smtClean="0"/>
-              <a:t>4/22/25</a:t>
+              <a:t>5/28/25</a:t>
             </a:fld>
             <a:endParaRPr lang="en-US"/>
           </a:p>
